--- a/doc/Data Warehouse with MongoDB_IAM.pptx
+++ b/doc/Data Warehouse with MongoDB_IAM.pptx
@@ -250,7 +250,7 @@
           <a:p>
             <a:fld id="{DAF2552F-F4B9-44F8-ABA5-77E59D53F9F8}" type="datetimeFigureOut">
               <a:rPr lang="en-US" smtClean="0"/>
-              <a:t>2/5/2019</a:t>
+              <a:t>2/21/2019</a:t>
             </a:fld>
             <a:endParaRPr lang="en-US"/>
           </a:p>
@@ -420,7 +420,7 @@
           <a:p>
             <a:fld id="{DAF2552F-F4B9-44F8-ABA5-77E59D53F9F8}" type="datetimeFigureOut">
               <a:rPr lang="en-US" smtClean="0"/>
-              <a:t>2/5/2019</a:t>
+              <a:t>2/21/2019</a:t>
             </a:fld>
             <a:endParaRPr lang="en-US"/>
           </a:p>
@@ -600,7 +600,7 @@
           <a:p>
             <a:fld id="{DAF2552F-F4B9-44F8-ABA5-77E59D53F9F8}" type="datetimeFigureOut">
               <a:rPr lang="en-US" smtClean="0"/>
-              <a:t>2/5/2019</a:t>
+              <a:t>2/21/2019</a:t>
             </a:fld>
             <a:endParaRPr lang="en-US"/>
           </a:p>
@@ -770,7 +770,7 @@
           <a:p>
             <a:fld id="{DAF2552F-F4B9-44F8-ABA5-77E59D53F9F8}" type="datetimeFigureOut">
               <a:rPr lang="en-US" smtClean="0"/>
-              <a:t>2/5/2019</a:t>
+              <a:t>2/21/2019</a:t>
             </a:fld>
             <a:endParaRPr lang="en-US"/>
           </a:p>
@@ -1016,7 +1016,7 @@
           <a:p>
             <a:fld id="{DAF2552F-F4B9-44F8-ABA5-77E59D53F9F8}" type="datetimeFigureOut">
               <a:rPr lang="en-US" smtClean="0"/>
-              <a:t>2/5/2019</a:t>
+              <a:t>2/21/2019</a:t>
             </a:fld>
             <a:endParaRPr lang="en-US"/>
           </a:p>
@@ -1248,7 +1248,7 @@
           <a:p>
             <a:fld id="{DAF2552F-F4B9-44F8-ABA5-77E59D53F9F8}" type="datetimeFigureOut">
               <a:rPr lang="en-US" smtClean="0"/>
-              <a:t>2/5/2019</a:t>
+              <a:t>2/21/2019</a:t>
             </a:fld>
             <a:endParaRPr lang="en-US"/>
           </a:p>
@@ -1615,7 +1615,7 @@
           <a:p>
             <a:fld id="{DAF2552F-F4B9-44F8-ABA5-77E59D53F9F8}" type="datetimeFigureOut">
               <a:rPr lang="en-US" smtClean="0"/>
-              <a:t>2/5/2019</a:t>
+              <a:t>2/21/2019</a:t>
             </a:fld>
             <a:endParaRPr lang="en-US"/>
           </a:p>
@@ -1733,7 +1733,7 @@
           <a:p>
             <a:fld id="{DAF2552F-F4B9-44F8-ABA5-77E59D53F9F8}" type="datetimeFigureOut">
               <a:rPr lang="en-US" smtClean="0"/>
-              <a:t>2/5/2019</a:t>
+              <a:t>2/21/2019</a:t>
             </a:fld>
             <a:endParaRPr lang="en-US"/>
           </a:p>
@@ -1828,7 +1828,7 @@
           <a:p>
             <a:fld id="{DAF2552F-F4B9-44F8-ABA5-77E59D53F9F8}" type="datetimeFigureOut">
               <a:rPr lang="en-US" smtClean="0"/>
-              <a:t>2/5/2019</a:t>
+              <a:t>2/21/2019</a:t>
             </a:fld>
             <a:endParaRPr lang="en-US"/>
           </a:p>
@@ -2105,7 +2105,7 @@
           <a:p>
             <a:fld id="{DAF2552F-F4B9-44F8-ABA5-77E59D53F9F8}" type="datetimeFigureOut">
               <a:rPr lang="en-US" smtClean="0"/>
-              <a:t>2/5/2019</a:t>
+              <a:t>2/21/2019</a:t>
             </a:fld>
             <a:endParaRPr lang="en-US"/>
           </a:p>
@@ -2362,7 +2362,7 @@
           <a:p>
             <a:fld id="{DAF2552F-F4B9-44F8-ABA5-77E59D53F9F8}" type="datetimeFigureOut">
               <a:rPr lang="en-US" smtClean="0"/>
-              <a:t>2/5/2019</a:t>
+              <a:t>2/21/2019</a:t>
             </a:fld>
             <a:endParaRPr lang="en-US"/>
           </a:p>
@@ -2575,7 +2575,7 @@
           <a:p>
             <a:fld id="{DAF2552F-F4B9-44F8-ABA5-77E59D53F9F8}" type="datetimeFigureOut">
               <a:rPr lang="en-US" smtClean="0"/>
-              <a:t>2/5/2019</a:t>
+              <a:t>2/21/2019</a:t>
             </a:fld>
             <a:endParaRPr lang="en-US"/>
           </a:p>
@@ -3008,7 +3008,7 @@
           </a:prstGeom>
           <a:extLst>
             <a:ext uri="{FAA26D3D-D897-4be2-8F04-BA451C77F1D7}">
-              <ma14:placeholderFlag xmlns:lc="http://schemas.openxmlformats.org/drawingml/2006/lockedCanvas" xmlns="" xmlns:wpc="http://schemas.microsoft.com/office/word/2010/wordprocessingCanvas" xmlns:mo="http://schemas.microsoft.com/office/mac/office/2008/main" xmlns:mc="http://schemas.openxmlformats.org/markup-compatibility/2006" xmlns:mv="urn:schemas-microsoft-com:mac:vml" xmlns:o="urn:schemas-microsoft-com:office:office" xmlns:v="urn:schemas-microsoft-com:vml" xmlns:wp14="http://schemas.microsoft.com/office/word/2010/wordprocessingDrawing" xmlns:w10="urn:schemas-microsoft-com:office:word" xmlns:w="http://schemas.openxmlformats.org/wordprocessingml/2006/main" xmlns:w14="http://schemas.microsoft.com/office/word/2010/wordml" xmlns:wpg="http://schemas.microsoft.com/office/word/2010/wordprocessingGroup" xmlns:wpi="http://schemas.microsoft.com/office/word/2010/wordprocessingInk" xmlns:wps="http://schemas.microsoft.com/office/word/2010/wordprocessingShape" xmlns:ma14="http://schemas.microsoft.com/office/mac/drawingml/2011/main" xmlns:pic="http://schemas.openxmlformats.org/drawingml/2006/picture" xmlns:wne="http://schemas.microsoft.com/office/word/2006/wordml" xmlns:wp="http://schemas.openxmlformats.org/drawingml/2006/wordprocessingDrawing" xmlns:m="http://schemas.openxmlformats.org/officeDocument/2006/math" xmlns:ve="http://schemas.openxmlformats.org/markup-compatibility/2006"/>
+              <ma14:placeholderFlag xmlns:ve="http://schemas.openxmlformats.org/markup-compatibility/2006" xmlns:m="http://schemas.openxmlformats.org/officeDocument/2006/math" xmlns:wp="http://schemas.openxmlformats.org/drawingml/2006/wordprocessingDrawing" xmlns:wne="http://schemas.microsoft.com/office/word/2006/wordml" xmlns:pic="http://schemas.openxmlformats.org/drawingml/2006/picture" xmlns:ma14="http://schemas.microsoft.com/office/mac/drawingml/2011/main" xmlns:wps="http://schemas.microsoft.com/office/word/2010/wordprocessingShape" xmlns:wpi="http://schemas.microsoft.com/office/word/2010/wordprocessingInk" xmlns:wpg="http://schemas.microsoft.com/office/word/2010/wordprocessingGroup" xmlns:w14="http://schemas.microsoft.com/office/word/2010/wordml" xmlns:w="http://schemas.openxmlformats.org/wordprocessingml/2006/main" xmlns:w10="urn:schemas-microsoft-com:office:word" xmlns:wp14="http://schemas.microsoft.com/office/word/2010/wordprocessingDrawing" xmlns:v="urn:schemas-microsoft-com:vml" xmlns:o="urn:schemas-microsoft-com:office:office" xmlns:mv="urn:schemas-microsoft-com:mac:vml" xmlns:mc="http://schemas.openxmlformats.org/markup-compatibility/2006" xmlns:mo="http://schemas.microsoft.com/office/mac/office/2008/main" xmlns:wpc="http://schemas.microsoft.com/office/word/2010/wordprocessingCanvas" xmlns="" xmlns:lc="http://schemas.openxmlformats.org/drawingml/2006/lockedCanvas"/>
             </a:ext>
           </a:extLst>
         </p:spPr>
@@ -3311,7 +3311,7 @@
           </a:prstGeom>
           <a:extLst>
             <a:ext uri="{FAA26D3D-D897-4be2-8F04-BA451C77F1D7}">
-              <ma14:placeholderFlag xmlns:lc="http://schemas.openxmlformats.org/drawingml/2006/lockedCanvas" xmlns="" xmlns:wpc="http://schemas.microsoft.com/office/word/2010/wordprocessingCanvas" xmlns:mo="http://schemas.microsoft.com/office/mac/office/2008/main" xmlns:mc="http://schemas.openxmlformats.org/markup-compatibility/2006" xmlns:mv="urn:schemas-microsoft-com:mac:vml" xmlns:o="urn:schemas-microsoft-com:office:office" xmlns:v="urn:schemas-microsoft-com:vml" xmlns:wp14="http://schemas.microsoft.com/office/word/2010/wordprocessingDrawing" xmlns:w10="urn:schemas-microsoft-com:office:word" xmlns:w="http://schemas.openxmlformats.org/wordprocessingml/2006/main" xmlns:w14="http://schemas.microsoft.com/office/word/2010/wordml" xmlns:wpg="http://schemas.microsoft.com/office/word/2010/wordprocessingGroup" xmlns:wpi="http://schemas.microsoft.com/office/word/2010/wordprocessingInk" xmlns:wps="http://schemas.microsoft.com/office/word/2010/wordprocessingShape" xmlns:ma14="http://schemas.microsoft.com/office/mac/drawingml/2011/main" xmlns:pic="http://schemas.openxmlformats.org/drawingml/2006/picture" xmlns:wne="http://schemas.microsoft.com/office/word/2006/wordml" xmlns:wp="http://schemas.openxmlformats.org/drawingml/2006/wordprocessingDrawing" xmlns:m="http://schemas.openxmlformats.org/officeDocument/2006/math" xmlns:ve="http://schemas.openxmlformats.org/markup-compatibility/2006"/>
+              <ma14:placeholderFlag xmlns:ve="http://schemas.openxmlformats.org/markup-compatibility/2006" xmlns:m="http://schemas.openxmlformats.org/officeDocument/2006/math" xmlns:wp="http://schemas.openxmlformats.org/drawingml/2006/wordprocessingDrawing" xmlns:wne="http://schemas.microsoft.com/office/word/2006/wordml" xmlns:pic="http://schemas.openxmlformats.org/drawingml/2006/picture" xmlns:ma14="http://schemas.microsoft.com/office/mac/drawingml/2011/main" xmlns:wps="http://schemas.microsoft.com/office/word/2010/wordprocessingShape" xmlns:wpi="http://schemas.microsoft.com/office/word/2010/wordprocessingInk" xmlns:wpg="http://schemas.microsoft.com/office/word/2010/wordprocessingGroup" xmlns:w14="http://schemas.microsoft.com/office/word/2010/wordml" xmlns:w="http://schemas.openxmlformats.org/wordprocessingml/2006/main" xmlns:w10="urn:schemas-microsoft-com:office:word" xmlns:wp14="http://schemas.microsoft.com/office/word/2010/wordprocessingDrawing" xmlns:v="urn:schemas-microsoft-com:vml" xmlns:o="urn:schemas-microsoft-com:office:office" xmlns:mv="urn:schemas-microsoft-com:mac:vml" xmlns:mc="http://schemas.openxmlformats.org/markup-compatibility/2006" xmlns:mo="http://schemas.microsoft.com/office/mac/office/2008/main" xmlns:wpc="http://schemas.microsoft.com/office/word/2010/wordprocessingCanvas" xmlns="" xmlns:lc="http://schemas.openxmlformats.org/drawingml/2006/lockedCanvas"/>
             </a:ext>
           </a:extLst>
         </p:spPr>
@@ -4548,7 +4548,7 @@
           </a:prstGeom>
           <a:extLst>
             <a:ext uri="{FAA26D3D-D897-4be2-8F04-BA451C77F1D7}">
-              <ma14:placeholderFlag xmlns:lc="http://schemas.openxmlformats.org/drawingml/2006/lockedCanvas" xmlns="" xmlns:wpc="http://schemas.microsoft.com/office/word/2010/wordprocessingCanvas" xmlns:mo="http://schemas.microsoft.com/office/mac/office/2008/main" xmlns:mc="http://schemas.openxmlformats.org/markup-compatibility/2006" xmlns:mv="urn:schemas-microsoft-com:mac:vml" xmlns:o="urn:schemas-microsoft-com:office:office" xmlns:v="urn:schemas-microsoft-com:vml" xmlns:wp14="http://schemas.microsoft.com/office/word/2010/wordprocessingDrawing" xmlns:w10="urn:schemas-microsoft-com:office:word" xmlns:w="http://schemas.openxmlformats.org/wordprocessingml/2006/main" xmlns:w14="http://schemas.microsoft.com/office/word/2010/wordml" xmlns:wpg="http://schemas.microsoft.com/office/word/2010/wordprocessingGroup" xmlns:wpi="http://schemas.microsoft.com/office/word/2010/wordprocessingInk" xmlns:wps="http://schemas.microsoft.com/office/word/2010/wordprocessingShape" xmlns:ma14="http://schemas.microsoft.com/office/mac/drawingml/2011/main" xmlns:pic="http://schemas.openxmlformats.org/drawingml/2006/picture" xmlns:wne="http://schemas.microsoft.com/office/word/2006/wordml" xmlns:wp="http://schemas.openxmlformats.org/drawingml/2006/wordprocessingDrawing" xmlns:m="http://schemas.openxmlformats.org/officeDocument/2006/math" xmlns:ve="http://schemas.openxmlformats.org/markup-compatibility/2006"/>
+              <ma14:placeholderFlag xmlns:ve="http://schemas.openxmlformats.org/markup-compatibility/2006" xmlns:m="http://schemas.openxmlformats.org/officeDocument/2006/math" xmlns:wp="http://schemas.openxmlformats.org/drawingml/2006/wordprocessingDrawing" xmlns:wne="http://schemas.microsoft.com/office/word/2006/wordml" xmlns:pic="http://schemas.openxmlformats.org/drawingml/2006/picture" xmlns:ma14="http://schemas.microsoft.com/office/mac/drawingml/2011/main" xmlns:wps="http://schemas.microsoft.com/office/word/2010/wordprocessingShape" xmlns:wpi="http://schemas.microsoft.com/office/word/2010/wordprocessingInk" xmlns:wpg="http://schemas.microsoft.com/office/word/2010/wordprocessingGroup" xmlns:w14="http://schemas.microsoft.com/office/word/2010/wordml" xmlns:w="http://schemas.openxmlformats.org/wordprocessingml/2006/main" xmlns:w10="urn:schemas-microsoft-com:office:word" xmlns:wp14="http://schemas.microsoft.com/office/word/2010/wordprocessingDrawing" xmlns:v="urn:schemas-microsoft-com:vml" xmlns:o="urn:schemas-microsoft-com:office:office" xmlns:mv="urn:schemas-microsoft-com:mac:vml" xmlns:mc="http://schemas.openxmlformats.org/markup-compatibility/2006" xmlns:mo="http://schemas.microsoft.com/office/mac/office/2008/main" xmlns:wpc="http://schemas.microsoft.com/office/word/2010/wordprocessingCanvas" xmlns="" xmlns:lc="http://schemas.openxmlformats.org/drawingml/2006/lockedCanvas"/>
             </a:ext>
           </a:extLst>
         </p:spPr>
@@ -7621,7 +7621,7 @@
           </a:prstGeom>
           <a:extLst>
             <a:ext uri="{FAA26D3D-D897-4be2-8F04-BA451C77F1D7}">
-              <ma14:placeholderFlag xmlns:lc="http://schemas.openxmlformats.org/drawingml/2006/lockedCanvas" xmlns="" xmlns:wpc="http://schemas.microsoft.com/office/word/2010/wordprocessingCanvas" xmlns:mo="http://schemas.microsoft.com/office/mac/office/2008/main" xmlns:mc="http://schemas.openxmlformats.org/markup-compatibility/2006" xmlns:mv="urn:schemas-microsoft-com:mac:vml" xmlns:o="urn:schemas-microsoft-com:office:office" xmlns:v="urn:schemas-microsoft-com:vml" xmlns:wp14="http://schemas.microsoft.com/office/word/2010/wordprocessingDrawing" xmlns:w10="urn:schemas-microsoft-com:office:word" xmlns:w="http://schemas.openxmlformats.org/wordprocessingml/2006/main" xmlns:w14="http://schemas.microsoft.com/office/word/2010/wordml" xmlns:wpg="http://schemas.microsoft.com/office/word/2010/wordprocessingGroup" xmlns:wpi="http://schemas.microsoft.com/office/word/2010/wordprocessingInk" xmlns:wps="http://schemas.microsoft.com/office/word/2010/wordprocessingShape" xmlns:ma14="http://schemas.microsoft.com/office/mac/drawingml/2011/main" xmlns:pic="http://schemas.openxmlformats.org/drawingml/2006/picture" xmlns:wne="http://schemas.microsoft.com/office/word/2006/wordml" xmlns:wp="http://schemas.openxmlformats.org/drawingml/2006/wordprocessingDrawing" xmlns:m="http://schemas.openxmlformats.org/officeDocument/2006/math" xmlns:ve="http://schemas.openxmlformats.org/markup-compatibility/2006"/>
+              <ma14:placeholderFlag xmlns:ve="http://schemas.openxmlformats.org/markup-compatibility/2006" xmlns:m="http://schemas.openxmlformats.org/officeDocument/2006/math" xmlns:wp="http://schemas.openxmlformats.org/drawingml/2006/wordprocessingDrawing" xmlns:wne="http://schemas.microsoft.com/office/word/2006/wordml" xmlns:pic="http://schemas.openxmlformats.org/drawingml/2006/picture" xmlns:ma14="http://schemas.microsoft.com/office/mac/drawingml/2011/main" xmlns:wps="http://schemas.microsoft.com/office/word/2010/wordprocessingShape" xmlns:wpi="http://schemas.microsoft.com/office/word/2010/wordprocessingInk" xmlns:wpg="http://schemas.microsoft.com/office/word/2010/wordprocessingGroup" xmlns:w14="http://schemas.microsoft.com/office/word/2010/wordml" xmlns:w="http://schemas.openxmlformats.org/wordprocessingml/2006/main" xmlns:w10="urn:schemas-microsoft-com:office:word" xmlns:wp14="http://schemas.microsoft.com/office/word/2010/wordprocessingDrawing" xmlns:v="urn:schemas-microsoft-com:vml" xmlns:o="urn:schemas-microsoft-com:office:office" xmlns:mv="urn:schemas-microsoft-com:mac:vml" xmlns:mc="http://schemas.openxmlformats.org/markup-compatibility/2006" xmlns:mo="http://schemas.microsoft.com/office/mac/office/2008/main" xmlns:wpc="http://schemas.microsoft.com/office/word/2010/wordprocessingCanvas" xmlns="" xmlns:lc="http://schemas.openxmlformats.org/drawingml/2006/lockedCanvas"/>
             </a:ext>
           </a:extLst>
         </p:spPr>
@@ -9327,7 +9327,7 @@
           </a:prstGeom>
           <a:extLst>
             <a:ext uri="{FAA26D3D-D897-4be2-8F04-BA451C77F1D7}">
-              <ma14:placeholderFlag xmlns:lc="http://schemas.openxmlformats.org/drawingml/2006/lockedCanvas" xmlns="" xmlns:wpc="http://schemas.microsoft.com/office/word/2010/wordprocessingCanvas" xmlns:mo="http://schemas.microsoft.com/office/mac/office/2008/main" xmlns:mc="http://schemas.openxmlformats.org/markup-compatibility/2006" xmlns:mv="urn:schemas-microsoft-com:mac:vml" xmlns:o="urn:schemas-microsoft-com:office:office" xmlns:v="urn:schemas-microsoft-com:vml" xmlns:wp14="http://schemas.microsoft.com/office/word/2010/wordprocessingDrawing" xmlns:w10="urn:schemas-microsoft-com:office:word" xmlns:w="http://schemas.openxmlformats.org/wordprocessingml/2006/main" xmlns:w14="http://schemas.microsoft.com/office/word/2010/wordml" xmlns:wpg="http://schemas.microsoft.com/office/word/2010/wordprocessingGroup" xmlns:wpi="http://schemas.microsoft.com/office/word/2010/wordprocessingInk" xmlns:wps="http://schemas.microsoft.com/office/word/2010/wordprocessingShape" xmlns:ma14="http://schemas.microsoft.com/office/mac/drawingml/2011/main" xmlns:pic="http://schemas.openxmlformats.org/drawingml/2006/picture" xmlns:wne="http://schemas.microsoft.com/office/word/2006/wordml" xmlns:wp="http://schemas.openxmlformats.org/drawingml/2006/wordprocessingDrawing" xmlns:m="http://schemas.openxmlformats.org/officeDocument/2006/math" xmlns:ve="http://schemas.openxmlformats.org/markup-compatibility/2006"/>
+              <ma14:placeholderFlag xmlns:ve="http://schemas.openxmlformats.org/markup-compatibility/2006" xmlns:m="http://schemas.openxmlformats.org/officeDocument/2006/math" xmlns:wp="http://schemas.openxmlformats.org/drawingml/2006/wordprocessingDrawing" xmlns:wne="http://schemas.microsoft.com/office/word/2006/wordml" xmlns:pic="http://schemas.openxmlformats.org/drawingml/2006/picture" xmlns:ma14="http://schemas.microsoft.com/office/mac/drawingml/2011/main" xmlns:wps="http://schemas.microsoft.com/office/word/2010/wordprocessingShape" xmlns:wpi="http://schemas.microsoft.com/office/word/2010/wordprocessingInk" xmlns:wpg="http://schemas.microsoft.com/office/word/2010/wordprocessingGroup" xmlns:w14="http://schemas.microsoft.com/office/word/2010/wordml" xmlns:w="http://schemas.openxmlformats.org/wordprocessingml/2006/main" xmlns:w10="urn:schemas-microsoft-com:office:word" xmlns:wp14="http://schemas.microsoft.com/office/word/2010/wordprocessingDrawing" xmlns:v="urn:schemas-microsoft-com:vml" xmlns:o="urn:schemas-microsoft-com:office:office" xmlns:mv="urn:schemas-microsoft-com:mac:vml" xmlns:mc="http://schemas.openxmlformats.org/markup-compatibility/2006" xmlns:mo="http://schemas.microsoft.com/office/mac/office/2008/main" xmlns:wpc="http://schemas.microsoft.com/office/word/2010/wordprocessingCanvas" xmlns="" xmlns:lc="http://schemas.openxmlformats.org/drawingml/2006/lockedCanvas"/>
             </a:ext>
           </a:extLst>
         </p:spPr>
@@ -17983,7 +17983,7 @@
           </a:prstGeom>
           <a:extLst>
             <a:ext uri="{FAA26D3D-D897-4be2-8F04-BA451C77F1D7}">
-              <ma14:placeholderFlag xmlns:lc="http://schemas.openxmlformats.org/drawingml/2006/lockedCanvas" xmlns="" xmlns:wpc="http://schemas.microsoft.com/office/word/2010/wordprocessingCanvas" xmlns:mo="http://schemas.microsoft.com/office/mac/office/2008/main" xmlns:mc="http://schemas.openxmlformats.org/markup-compatibility/2006" xmlns:mv="urn:schemas-microsoft-com:mac:vml" xmlns:o="urn:schemas-microsoft-com:office:office" xmlns:v="urn:schemas-microsoft-com:vml" xmlns:wp14="http://schemas.microsoft.com/office/word/2010/wordprocessingDrawing" xmlns:w10="urn:schemas-microsoft-com:office:word" xmlns:w="http://schemas.openxmlformats.org/wordprocessingml/2006/main" xmlns:w14="http://schemas.microsoft.com/office/word/2010/wordml" xmlns:wpg="http://schemas.microsoft.com/office/word/2010/wordprocessingGroup" xmlns:wpi="http://schemas.microsoft.com/office/word/2010/wordprocessingInk" xmlns:wps="http://schemas.microsoft.com/office/word/2010/wordprocessingShape" xmlns:ma14="http://schemas.microsoft.com/office/mac/drawingml/2011/main" xmlns:pic="http://schemas.openxmlformats.org/drawingml/2006/picture" xmlns:wne="http://schemas.microsoft.com/office/word/2006/wordml" xmlns:wp="http://schemas.openxmlformats.org/drawingml/2006/wordprocessingDrawing" xmlns:m="http://schemas.openxmlformats.org/officeDocument/2006/math" xmlns:ve="http://schemas.openxmlformats.org/markup-compatibility/2006"/>
+              <ma14:placeholderFlag xmlns:ve="http://schemas.openxmlformats.org/markup-compatibility/2006" xmlns:m="http://schemas.openxmlformats.org/officeDocument/2006/math" xmlns:wp="http://schemas.openxmlformats.org/drawingml/2006/wordprocessingDrawing" xmlns:wne="http://schemas.microsoft.com/office/word/2006/wordml" xmlns:pic="http://schemas.openxmlformats.org/drawingml/2006/picture" xmlns:ma14="http://schemas.microsoft.com/office/mac/drawingml/2011/main" xmlns:wps="http://schemas.microsoft.com/office/word/2010/wordprocessingShape" xmlns:wpi="http://schemas.microsoft.com/office/word/2010/wordprocessingInk" xmlns:wpg="http://schemas.microsoft.com/office/word/2010/wordprocessingGroup" xmlns:w14="http://schemas.microsoft.com/office/word/2010/wordml" xmlns:w="http://schemas.openxmlformats.org/wordprocessingml/2006/main" xmlns:w10="urn:schemas-microsoft-com:office:word" xmlns:wp14="http://schemas.microsoft.com/office/word/2010/wordprocessingDrawing" xmlns:v="urn:schemas-microsoft-com:vml" xmlns:o="urn:schemas-microsoft-com:office:office" xmlns:mv="urn:schemas-microsoft-com:mac:vml" xmlns:mc="http://schemas.openxmlformats.org/markup-compatibility/2006" xmlns:mo="http://schemas.microsoft.com/office/mac/office/2008/main" xmlns:wpc="http://schemas.microsoft.com/office/word/2010/wordprocessingCanvas" xmlns="" xmlns:lc="http://schemas.openxmlformats.org/drawingml/2006/lockedCanvas"/>
             </a:ext>
           </a:extLst>
         </p:spPr>
@@ -20523,7 +20523,7 @@
           </a:prstGeom>
           <a:extLst>
             <a:ext uri="{FAA26D3D-D897-4be2-8F04-BA451C77F1D7}">
-              <ma14:placeholderFlag xmlns:lc="http://schemas.openxmlformats.org/drawingml/2006/lockedCanvas" xmlns="" xmlns:wpc="http://schemas.microsoft.com/office/word/2010/wordprocessingCanvas" xmlns:mo="http://schemas.microsoft.com/office/mac/office/2008/main" xmlns:mc="http://schemas.openxmlformats.org/markup-compatibility/2006" xmlns:mv="urn:schemas-microsoft-com:mac:vml" xmlns:o="urn:schemas-microsoft-com:office:office" xmlns:v="urn:schemas-microsoft-com:vml" xmlns:wp14="http://schemas.microsoft.com/office/word/2010/wordprocessingDrawing" xmlns:w10="urn:schemas-microsoft-com:office:word" xmlns:w="http://schemas.openxmlformats.org/wordprocessingml/2006/main" xmlns:w14="http://schemas.microsoft.com/office/word/2010/wordml" xmlns:wpg="http://schemas.microsoft.com/office/word/2010/wordprocessingGroup" xmlns:wpi="http://schemas.microsoft.com/office/word/2010/wordprocessingInk" xmlns:wps="http://schemas.microsoft.com/office/word/2010/wordprocessingShape" xmlns:ma14="http://schemas.microsoft.com/office/mac/drawingml/2011/main" xmlns:pic="http://schemas.openxmlformats.org/drawingml/2006/picture" xmlns:wne="http://schemas.microsoft.com/office/word/2006/wordml" xmlns:wp="http://schemas.openxmlformats.org/drawingml/2006/wordprocessingDrawing" xmlns:m="http://schemas.openxmlformats.org/officeDocument/2006/math" xmlns:ve="http://schemas.openxmlformats.org/markup-compatibility/2006"/>
+              <ma14:placeholderFlag xmlns:ve="http://schemas.openxmlformats.org/markup-compatibility/2006" xmlns:m="http://schemas.openxmlformats.org/officeDocument/2006/math" xmlns:wp="http://schemas.openxmlformats.org/drawingml/2006/wordprocessingDrawing" xmlns:wne="http://schemas.microsoft.com/office/word/2006/wordml" xmlns:pic="http://schemas.openxmlformats.org/drawingml/2006/picture" xmlns:ma14="http://schemas.microsoft.com/office/mac/drawingml/2011/main" xmlns:wps="http://schemas.microsoft.com/office/word/2010/wordprocessingShape" xmlns:wpi="http://schemas.microsoft.com/office/word/2010/wordprocessingInk" xmlns:wpg="http://schemas.microsoft.com/office/word/2010/wordprocessingGroup" xmlns:w14="http://schemas.microsoft.com/office/word/2010/wordml" xmlns:w="http://schemas.openxmlformats.org/wordprocessingml/2006/main" xmlns:w10="urn:schemas-microsoft-com:office:word" xmlns:wp14="http://schemas.microsoft.com/office/word/2010/wordprocessingDrawing" xmlns:v="urn:schemas-microsoft-com:vml" xmlns:o="urn:schemas-microsoft-com:office:office" xmlns:mv="urn:schemas-microsoft-com:mac:vml" xmlns:mc="http://schemas.openxmlformats.org/markup-compatibility/2006" xmlns:mo="http://schemas.microsoft.com/office/mac/office/2008/main" xmlns:wpc="http://schemas.microsoft.com/office/word/2010/wordprocessingCanvas" xmlns="" xmlns:lc="http://schemas.openxmlformats.org/drawingml/2006/lockedCanvas"/>
             </a:ext>
           </a:extLst>
         </p:spPr>
@@ -24286,7 +24286,7 @@
           </a:prstGeom>
           <a:extLst>
             <a:ext uri="{FAA26D3D-D897-4be2-8F04-BA451C77F1D7}">
-              <ma14:placeholderFlag xmlns:lc="http://schemas.openxmlformats.org/drawingml/2006/lockedCanvas" xmlns="" xmlns:wpc="http://schemas.microsoft.com/office/word/2010/wordprocessingCanvas" xmlns:mo="http://schemas.microsoft.com/office/mac/office/2008/main" xmlns:mc="http://schemas.openxmlformats.org/markup-compatibility/2006" xmlns:mv="urn:schemas-microsoft-com:mac:vml" xmlns:o="urn:schemas-microsoft-com:office:office" xmlns:v="urn:schemas-microsoft-com:vml" xmlns:wp14="http://schemas.microsoft.com/office/word/2010/wordprocessingDrawing" xmlns:w10="urn:schemas-microsoft-com:office:word" xmlns:w="http://schemas.openxmlformats.org/wordprocessingml/2006/main" xmlns:w14="http://schemas.microsoft.com/office/word/2010/wordml" xmlns:wpg="http://schemas.microsoft.com/office/word/2010/wordprocessingGroup" xmlns:wpi="http://schemas.microsoft.com/office/word/2010/wordprocessingInk" xmlns:wps="http://schemas.microsoft.com/office/word/2010/wordprocessingShape" xmlns:ma14="http://schemas.microsoft.com/office/mac/drawingml/2011/main" xmlns:pic="http://schemas.openxmlformats.org/drawingml/2006/picture" xmlns:wne="http://schemas.microsoft.com/office/word/2006/wordml" xmlns:wp="http://schemas.openxmlformats.org/drawingml/2006/wordprocessingDrawing" xmlns:m="http://schemas.openxmlformats.org/officeDocument/2006/math" xmlns:ve="http://schemas.openxmlformats.org/markup-compatibility/2006"/>
+              <ma14:placeholderFlag xmlns:ve="http://schemas.openxmlformats.org/markup-compatibility/2006" xmlns:m="http://schemas.openxmlformats.org/officeDocument/2006/math" xmlns:wp="http://schemas.openxmlformats.org/drawingml/2006/wordprocessingDrawing" xmlns:wne="http://schemas.microsoft.com/office/word/2006/wordml" xmlns:pic="http://schemas.openxmlformats.org/drawingml/2006/picture" xmlns:ma14="http://schemas.microsoft.com/office/mac/drawingml/2011/main" xmlns:wps="http://schemas.microsoft.com/office/word/2010/wordprocessingShape" xmlns:wpi="http://schemas.microsoft.com/office/word/2010/wordprocessingInk" xmlns:wpg="http://schemas.microsoft.com/office/word/2010/wordprocessingGroup" xmlns:w14="http://schemas.microsoft.com/office/word/2010/wordml" xmlns:w="http://schemas.openxmlformats.org/wordprocessingml/2006/main" xmlns:w10="urn:schemas-microsoft-com:office:word" xmlns:wp14="http://schemas.microsoft.com/office/word/2010/wordprocessingDrawing" xmlns:v="urn:schemas-microsoft-com:vml" xmlns:o="urn:schemas-microsoft-com:office:office" xmlns:mv="urn:schemas-microsoft-com:mac:vml" xmlns:mc="http://schemas.openxmlformats.org/markup-compatibility/2006" xmlns:mo="http://schemas.microsoft.com/office/mac/office/2008/main" xmlns:wpc="http://schemas.microsoft.com/office/word/2010/wordprocessingCanvas" xmlns="" xmlns:lc="http://schemas.openxmlformats.org/drawingml/2006/lockedCanvas"/>
             </a:ext>
           </a:extLst>
         </p:spPr>
@@ -25998,6 +25998,179 @@
           </a:graphicData>
         </a:graphic>
       </p:graphicFrame>
+      <p:sp>
+        <p:nvSpPr>
+          <p:cNvPr id="10" name="Rectangle 9">
+            <a:extLst>
+              <a:ext uri="{FF2B5EF4-FFF2-40B4-BE49-F238E27FC236}">
+                <a16:creationId xmlns:a16="http://schemas.microsoft.com/office/drawing/2014/main" id="{E2CB8CE8-E871-4D3E-9F78-7ECC27693555}"/>
+              </a:ext>
+            </a:extLst>
+          </p:cNvPr>
+          <p:cNvSpPr/>
+          <p:nvPr/>
+        </p:nvSpPr>
+        <p:spPr>
+          <a:xfrm>
+            <a:off x="4697201" y="1486096"/>
+            <a:ext cx="6096000" cy="4247317"/>
+          </a:xfrm>
+          <a:prstGeom prst="rect">
+            <a:avLst/>
+          </a:prstGeom>
+        </p:spPr>
+        <p:txBody>
+          <a:bodyPr>
+            <a:spAutoFit/>
+          </a:bodyPr>
+          <a:lstStyle/>
+          <a:p>
+            <a:r>
+              <a:rPr lang="en-US" dirty="0"/>
+              <a:t>10.10.30.46</a:t>
+            </a:r>
+          </a:p>
+          <a:p>
+            <a:r>
+              <a:rPr lang="en-US" dirty="0" err="1"/>
+              <a:t>dw_user</a:t>
+            </a:r>
+            <a:endParaRPr lang="en-US" dirty="0"/>
+          </a:p>
+          <a:p>
+            <a:r>
+              <a:rPr lang="en-US" dirty="0"/>
+              <a:t>DataW1</a:t>
+            </a:r>
+          </a:p>
+          <a:p>
+            <a:endParaRPr lang="en-US" dirty="0"/>
+          </a:p>
+          <a:p>
+            <a:r>
+              <a:rPr lang="en-US" dirty="0"/>
+              <a:t>/****** Script for </a:t>
+            </a:r>
+            <a:r>
+              <a:rPr lang="en-US" dirty="0" err="1"/>
+              <a:t>SelectTopNRows</a:t>
+            </a:r>
+            <a:r>
+              <a:rPr lang="en-US" dirty="0"/>
+              <a:t> command from SSMS  ******/</a:t>
+            </a:r>
+          </a:p>
+          <a:p>
+            <a:r>
+              <a:rPr lang="en-US" dirty="0"/>
+              <a:t>SELECT  top 10 storage.[Id]</a:t>
+            </a:r>
+          </a:p>
+          <a:p>
+            <a:r>
+              <a:rPr lang="en-US" dirty="0"/>
+              <a:t>      ,</a:t>
+            </a:r>
+            <a:r>
+              <a:rPr lang="en-US" dirty="0" err="1"/>
+              <a:t>ims_description</a:t>
+            </a:r>
+            <a:endParaRPr lang="en-US" dirty="0"/>
+          </a:p>
+          <a:p>
+            <a:r>
+              <a:rPr lang="en-US" dirty="0"/>
+              <a:t>      ,[</a:t>
+            </a:r>
+            <a:r>
+              <a:rPr lang="en-US" dirty="0" err="1"/>
+              <a:t>itemid</a:t>
+            </a:r>
+            <a:r>
+              <a:rPr lang="en-US" dirty="0"/>
+              <a:t>]</a:t>
+            </a:r>
+          </a:p>
+          <a:p>
+            <a:r>
+              <a:rPr lang="en-US" dirty="0"/>
+              <a:t>      ,[</a:t>
+            </a:r>
+            <a:r>
+              <a:rPr lang="en-US" dirty="0" err="1"/>
+              <a:t>instancenumber</a:t>
+            </a:r>
+            <a:r>
+              <a:rPr lang="en-US" dirty="0"/>
+              <a:t>]</a:t>
+            </a:r>
+          </a:p>
+          <a:p>
+            <a:r>
+              <a:rPr lang="en-US" dirty="0"/>
+              <a:t>      ,[content]</a:t>
+            </a:r>
+          </a:p>
+          <a:p>
+            <a:r>
+              <a:rPr lang="en-US" dirty="0"/>
+              <a:t>      ,[</a:t>
+            </a:r>
+            <a:r>
+              <a:rPr lang="en-US" dirty="0" err="1"/>
+              <a:t>dateupdated</a:t>
+            </a:r>
+            <a:r>
+              <a:rPr lang="en-US" dirty="0"/>
+              <a:t>]</a:t>
+            </a:r>
+          </a:p>
+          <a:p>
+            <a:r>
+              <a:rPr lang="en-US" dirty="0"/>
+              <a:t>  FROM [EEV3_ContentDistribution].[</a:t>
+            </a:r>
+            <a:r>
+              <a:rPr lang="en-US" dirty="0" err="1"/>
+              <a:t>dbo</a:t>
+            </a:r>
+            <a:r>
+              <a:rPr lang="en-US" dirty="0"/>
+              <a:t>].[Storage] inner join </a:t>
+            </a:r>
+            <a:r>
+              <a:rPr lang="en-US" dirty="0" err="1"/>
+              <a:t>ims</a:t>
+            </a:r>
+            <a:r>
+              <a:rPr lang="en-US" dirty="0"/>
+              <a:t> on </a:t>
+            </a:r>
+            <a:r>
+              <a:rPr lang="en-US" dirty="0" err="1"/>
+              <a:t>Storage.imsid</a:t>
+            </a:r>
+            <a:r>
+              <a:rPr lang="en-US" dirty="0"/>
+              <a:t>=</a:t>
+            </a:r>
+            <a:r>
+              <a:rPr lang="en-US" dirty="0" err="1"/>
+              <a:t>ims.Id</a:t>
+            </a:r>
+            <a:r>
+              <a:rPr lang="en-US" dirty="0"/>
+              <a:t> </a:t>
+            </a:r>
+          </a:p>
+          <a:p>
+            <a:r>
+              <a:rPr lang="en-US" dirty="0"/>
+              <a:t> </a:t>
+            </a:r>
+          </a:p>
+        </p:txBody>
+      </p:sp>
     </p:spTree>
     <p:extLst>
       <p:ext uri="{BB962C8B-B14F-4D97-AF65-F5344CB8AC3E}">
